--- a/project/proposal/프레젠테이션2.pptx
+++ b/project/proposal/프레젠테이션2.pptx
@@ -9,6 +9,8 @@
     <p:sldId id="258" r:id="rId3"/>
     <p:sldId id="259" r:id="rId4"/>
     <p:sldId id="261" r:id="rId5"/>
+    <p:sldId id="262" r:id="rId6"/>
+    <p:sldId id="263" r:id="rId7"/>
   </p:sldIdLst>
   <p:sldSz cx="12192000" cy="6858000"/>
   <p:notesSz cx="6858000" cy="9144000"/>
@@ -3136,11 +3138,7 @@
             </a:r>
             <a:r>
               <a:rPr lang="en-US" altLang="ko-KR" sz="7200" b="1" dirty="0" smtClean="0"/>
-              <a:t>Bobble </a:t>
-            </a:r>
-            <a:r>
-              <a:rPr lang="en-US" altLang="ko-KR" sz="7200" b="1" dirty="0" smtClean="0"/>
-              <a:t>2</a:t>
+              <a:t>Bobble 2</a:t>
             </a:r>
           </a:p>
         </p:txBody>
@@ -3486,7 +3484,27 @@
             </a:r>
             <a:r>
               <a:rPr lang="ko-KR" altLang="en-US" sz="2000" dirty="0" smtClean="0"/>
-              <a:t>점수를 주는 아이템을 많이 획득하여 더 많은 점수를 얻는다</a:t>
+              <a:t>점수를 주는 아이템을 많이 획득하여 더 </a:t>
+            </a:r>
+            <a:r>
+              <a:rPr lang="ko-KR" altLang="en-US" sz="2000" dirty="0" smtClean="0"/>
+              <a:t>높은</a:t>
+            </a:r>
+            <a:r>
+              <a:rPr lang="ko-KR" altLang="en-US" sz="2000" dirty="0" smtClean="0"/>
+              <a:t> </a:t>
+            </a:r>
+            <a:r>
+              <a:rPr lang="ko-KR" altLang="en-US" sz="2000" dirty="0" smtClean="0"/>
+              <a:t>점수를 </a:t>
+            </a:r>
+            <a:r>
+              <a:rPr lang="ko-KR" altLang="en-US" sz="2000" dirty="0" smtClean="0"/>
+              <a:t>얻는다</a:t>
+            </a:r>
+            <a:r>
+              <a:rPr lang="en-US" altLang="ko-KR" sz="2000" dirty="0" smtClean="0"/>
+              <a:t>.</a:t>
             </a:r>
             <a:endParaRPr lang="en-US" altLang="ko-KR" sz="2000" dirty="0" smtClean="0"/>
           </a:p>
@@ -4174,11 +4192,7 @@
                       </a:r>
                       <a:r>
                         <a:rPr lang="ko-KR" altLang="en-US" sz="1600" dirty="0" smtClean="0"/>
-                        <a:t>스테이지만 </a:t>
-                      </a:r>
-                      <a:r>
-                        <a:rPr lang="ko-KR" altLang="en-US" sz="1600" dirty="0" smtClean="0"/>
-                        <a:t>구현</a:t>
+                        <a:t>스테이지만 구현</a:t>
                       </a:r>
                       <a:r>
                         <a:rPr lang="ko-KR" altLang="en-US" sz="1600" baseline="0" dirty="0"/>
@@ -5321,11 +5335,7 @@
                       </a:r>
                       <a:r>
                         <a:rPr lang="ko-KR" altLang="en-US" sz="1600" dirty="0" smtClean="0"/>
-                        <a:t>스테이지의 보스 </a:t>
-                      </a:r>
-                      <a:r>
-                        <a:rPr lang="ko-KR" altLang="en-US" sz="1600" dirty="0" smtClean="0"/>
-                        <a:t>구현 </a:t>
+                        <a:t>스테이지의 보스 구현 </a:t>
                       </a:r>
                       <a:r>
                         <a:rPr lang="en-US" altLang="ko-KR" sz="1600" dirty="0" smtClean="0"/>
@@ -5352,7 +5362,6 @@
                         <a:rPr lang="en-US" altLang="ko-KR" sz="1600" dirty="0" smtClean="0"/>
                         <a:t>80 %</a:t>
                       </a:r>
-                      <a:endParaRPr lang="en-US" altLang="ko-KR" sz="1600" dirty="0" smtClean="0"/>
                     </a:p>
                   </a:txBody>
                   <a:tcPr anchor="ctr"/>
@@ -5455,11 +5464,7 @@
                       </a:r>
                       <a:r>
                         <a:rPr lang="ko-KR" altLang="en-US" sz="1600" dirty="0" smtClean="0"/>
-                        <a:t>점프 </a:t>
-                      </a:r>
-                      <a:r>
-                        <a:rPr lang="ko-KR" altLang="en-US" sz="1600" dirty="0" smtClean="0"/>
-                        <a:t>구현</a:t>
+                        <a:t>점프 구현</a:t>
                       </a:r>
                       <a:r>
                         <a:rPr lang="ko-KR" altLang="en-US" sz="1600" baseline="0" dirty="0" smtClean="0"/>
@@ -5491,7 +5496,6 @@
                         <a:rPr lang="en-US" altLang="ko-KR" sz="1600" dirty="0" smtClean="0"/>
                         <a:t>) (-20%)</a:t>
                       </a:r>
-                      <a:endParaRPr lang="en-US" altLang="ko-KR" sz="1600" dirty="0" smtClean="0"/>
                     </a:p>
                     <a:p>
                       <a:pPr marL="342900" indent="-342900">
@@ -5697,11 +5701,18 @@
           <a:lstStyle/>
           <a:p>
             <a:r>
-              <a:rPr lang="ko-KR" altLang="en-US" sz="4800" b="1" dirty="0" smtClean="0">
+              <a:rPr lang="ko-KR" altLang="en-US" sz="4800" b="1" smtClean="0">
                 <a:latin typeface="+mj-ea"/>
                 <a:ea typeface="+mj-ea"/>
               </a:rPr>
-              <a:t>개발 범위</a:t>
+              <a:t>개발 </a:t>
+            </a:r>
+            <a:r>
+              <a:rPr lang="ko-KR" altLang="en-US" sz="4800" b="1" smtClean="0">
+                <a:latin typeface="+mj-ea"/>
+                <a:ea typeface="+mj-ea"/>
+              </a:rPr>
+              <a:t>일정</a:t>
             </a:r>
             <a:endParaRPr lang="en-US" altLang="ko-KR" sz="4800" b="1" dirty="0" smtClean="0">
               <a:latin typeface="+mj-ea"/>
@@ -5727,6 +5738,210 @@
       </p:par>
     </p:tnLst>
   </p:timing>
+</p:sld>
+</file>
+
+<file path=ppt/slides/slide5.xml><?xml version="1.0" encoding="utf-8"?>
+<p:sld xmlns:a="http://schemas.openxmlformats.org/drawingml/2006/main" xmlns:r="http://schemas.openxmlformats.org/officeDocument/2006/relationships" xmlns:p="http://schemas.openxmlformats.org/presentationml/2006/main">
+  <p:cSld>
+    <p:spTree>
+      <p:nvGrpSpPr>
+        <p:cNvPr id="1" name=""/>
+        <p:cNvGrpSpPr/>
+        <p:nvPr/>
+      </p:nvGrpSpPr>
+      <p:grpSpPr>
+        <a:xfrm>
+          <a:off x="0" y="0"/>
+          <a:ext cx="0" cy="0"/>
+          <a:chOff x="0" y="0"/>
+          <a:chExt cx="0" cy="0"/>
+        </a:xfrm>
+      </p:grpSpPr>
+      <p:pic>
+        <p:nvPicPr>
+          <p:cNvPr id="4" name="그림 3"/>
+          <p:cNvPicPr>
+            <a:picLocks noChangeAspect="1"/>
+          </p:cNvPicPr>
+          <p:nvPr/>
+        </p:nvPicPr>
+        <p:blipFill>
+          <a:blip r:embed="rId2"/>
+          <a:stretch>
+            <a:fillRect/>
+          </a:stretch>
+        </p:blipFill>
+        <p:spPr>
+          <a:xfrm>
+            <a:off x="2687444" y="1224503"/>
+            <a:ext cx="8177444" cy="5271545"/>
+          </a:xfrm>
+          <a:prstGeom prst="rect">
+            <a:avLst/>
+          </a:prstGeom>
+        </p:spPr>
+      </p:pic>
+      <p:sp>
+        <p:nvSpPr>
+          <p:cNvPr id="5" name="TextBox 4"/>
+          <p:cNvSpPr txBox="1"/>
+          <p:nvPr/>
+        </p:nvSpPr>
+        <p:spPr>
+          <a:xfrm>
+            <a:off x="0" y="121110"/>
+            <a:ext cx="2863284" cy="830997"/>
+          </a:xfrm>
+          <a:prstGeom prst="rect">
+            <a:avLst/>
+          </a:prstGeom>
+          <a:noFill/>
+        </p:spPr>
+        <p:txBody>
+          <a:bodyPr wrap="none" rtlCol="0">
+            <a:spAutoFit/>
+          </a:bodyPr>
+          <a:lstStyle/>
+          <a:p>
+            <a:r>
+              <a:rPr lang="ko-KR" altLang="en-US" sz="4800" b="1" dirty="0" err="1" smtClean="0">
+                <a:latin typeface="+mj-ea"/>
+                <a:ea typeface="+mj-ea"/>
+              </a:rPr>
+              <a:t>커밋</a:t>
+            </a:r>
+            <a:r>
+              <a:rPr lang="ko-KR" altLang="en-US" sz="4800" b="1" dirty="0" smtClean="0">
+                <a:latin typeface="+mj-ea"/>
+                <a:ea typeface="+mj-ea"/>
+              </a:rPr>
+              <a:t> 통계</a:t>
+            </a:r>
+            <a:endParaRPr lang="en-US" altLang="ko-KR" sz="4800" b="1" dirty="0" smtClean="0">
+              <a:latin typeface="+mj-ea"/>
+              <a:ea typeface="+mj-ea"/>
+            </a:endParaRPr>
+          </a:p>
+        </p:txBody>
+      </p:sp>
+      <p:sp>
+        <p:nvSpPr>
+          <p:cNvPr id="6" name="TextBox 5"/>
+          <p:cNvSpPr txBox="1"/>
+          <p:nvPr/>
+        </p:nvSpPr>
+        <p:spPr>
+          <a:xfrm>
+            <a:off x="7061990" y="3660220"/>
+            <a:ext cx="3474990" cy="400110"/>
+          </a:xfrm>
+          <a:prstGeom prst="rect">
+            <a:avLst/>
+          </a:prstGeom>
+          <a:noFill/>
+        </p:spPr>
+        <p:txBody>
+          <a:bodyPr wrap="none" rtlCol="0">
+            <a:spAutoFit/>
+          </a:bodyPr>
+          <a:lstStyle/>
+          <a:p>
+            <a:r>
+              <a:rPr lang="en-US" altLang="ko-KR" sz="2000" dirty="0" smtClean="0"/>
+              <a:t>Term project commit : 17 </a:t>
+            </a:r>
+            <a:r>
+              <a:rPr lang="ko-KR" altLang="en-US" sz="2000" dirty="0" smtClean="0"/>
+              <a:t>회</a:t>
+            </a:r>
+            <a:endParaRPr lang="ko-KR" altLang="en-US" sz="2000" dirty="0"/>
+          </a:p>
+        </p:txBody>
+      </p:sp>
+    </p:spTree>
+    <p:extLst>
+      <p:ext uri="{BB962C8B-B14F-4D97-AF65-F5344CB8AC3E}">
+        <p14:creationId xmlns:p14="http://schemas.microsoft.com/office/powerpoint/2010/main" val="3514101694"/>
+      </p:ext>
+    </p:extLst>
+  </p:cSld>
+  <p:clrMapOvr>
+    <a:masterClrMapping/>
+  </p:clrMapOvr>
+</p:sld>
+</file>
+
+<file path=ppt/slides/slide6.xml><?xml version="1.0" encoding="utf-8"?>
+<p:sld xmlns:a="http://schemas.openxmlformats.org/drawingml/2006/main" xmlns:r="http://schemas.openxmlformats.org/officeDocument/2006/relationships" xmlns:p="http://schemas.openxmlformats.org/presentationml/2006/main">
+  <p:cSld>
+    <p:spTree>
+      <p:nvGrpSpPr>
+        <p:cNvPr id="1" name=""/>
+        <p:cNvGrpSpPr/>
+        <p:nvPr/>
+      </p:nvGrpSpPr>
+      <p:grpSpPr>
+        <a:xfrm>
+          <a:off x="0" y="0"/>
+          <a:ext cx="0" cy="0"/>
+          <a:chOff x="0" y="0"/>
+          <a:chExt cx="0" cy="0"/>
+        </a:xfrm>
+      </p:grpSpPr>
+      <p:sp>
+        <p:nvSpPr>
+          <p:cNvPr id="5" name="TextBox 4"/>
+          <p:cNvSpPr txBox="1"/>
+          <p:nvPr/>
+        </p:nvSpPr>
+        <p:spPr>
+          <a:xfrm>
+            <a:off x="4516243" y="2830856"/>
+            <a:ext cx="3461204" cy="830997"/>
+          </a:xfrm>
+          <a:prstGeom prst="rect">
+            <a:avLst/>
+          </a:prstGeom>
+          <a:noFill/>
+        </p:spPr>
+        <p:txBody>
+          <a:bodyPr wrap="none" rtlCol="0">
+            <a:spAutoFit/>
+          </a:bodyPr>
+          <a:lstStyle/>
+          <a:p>
+            <a:r>
+              <a:rPr lang="ko-KR" altLang="en-US" sz="4800" b="1" dirty="0" smtClean="0">
+                <a:latin typeface="+mj-ea"/>
+                <a:ea typeface="+mj-ea"/>
+              </a:rPr>
+              <a:t>감사합니다</a:t>
+            </a:r>
+            <a:r>
+              <a:rPr lang="en-US" altLang="ko-KR" sz="4800" b="1" dirty="0" smtClean="0">
+                <a:latin typeface="+mj-ea"/>
+                <a:ea typeface="+mj-ea"/>
+              </a:rPr>
+              <a:t>!</a:t>
+            </a:r>
+            <a:endParaRPr lang="en-US" altLang="ko-KR" sz="4800" b="1" dirty="0" smtClean="0">
+              <a:latin typeface="+mj-ea"/>
+              <a:ea typeface="+mj-ea"/>
+            </a:endParaRPr>
+          </a:p>
+        </p:txBody>
+      </p:sp>
+    </p:spTree>
+    <p:extLst>
+      <p:ext uri="{BB962C8B-B14F-4D97-AF65-F5344CB8AC3E}">
+        <p14:creationId xmlns:p14="http://schemas.microsoft.com/office/powerpoint/2010/main" val="1456577224"/>
+      </p:ext>
+    </p:extLst>
+  </p:cSld>
+  <p:clrMapOvr>
+    <a:masterClrMapping/>
+  </p:clrMapOvr>
 </p:sld>
 </file>
 
